--- a/hands-on/BIT Tech Week -  Arquitetura Orientada a Eventos - AWS EventBridge.pptx
+++ b/hands-on/BIT Tech Week -  Arquitetura Orientada a Eventos - AWS EventBridge.pptx
@@ -27871,8 +27871,30 @@
                 <a:cs typeface="Open Sans"/>
                 <a:sym typeface="Open Sans"/>
               </a:rPr>
-              <a:t>         https://docs.aws.amazon.com/sdk-for-javascript/v2/developer-guide/welcome.html</a:t>
+              <a:t>         </a:t>
             </a:r>
+            <a:r>
+              <a:rPr lang="pt-BR" sz="1000" dirty="0">
+                <a:solidFill>
+                  <a:srgbClr val="00175B"/>
+                </a:solidFill>
+                <a:latin typeface="Open Sans"/>
+                <a:ea typeface="Open Sans"/>
+                <a:cs typeface="Open Sans"/>
+                <a:sym typeface="Open Sans"/>
+                <a:hlinkClick r:id="rId4"/>
+              </a:rPr>
+              <a:t>https://docs.aws.amazon.com/sdk-for-javascript/v2/developer-guide/welcome.html</a:t>
+            </a:r>
+            <a:endParaRPr lang="pt-BR" sz="1000" dirty="0">
+              <a:solidFill>
+                <a:srgbClr val="00175B"/>
+              </a:solidFill>
+              <a:latin typeface="Open Sans"/>
+              <a:ea typeface="Open Sans"/>
+              <a:cs typeface="Open Sans"/>
+              <a:sym typeface="Open Sans"/>
+            </a:endParaRPr>
           </a:p>
           <a:p>
             <a:pPr marL="457200" lvl="0" indent="-292100" algn="l" rtl="0">
@@ -27998,8 +28020,30 @@
                 <a:cs typeface="Open Sans"/>
                 <a:sym typeface="Open Sans"/>
               </a:rPr>
-              <a:t>         https://docs.aws.amazon.com/AWSJavaScriptSDK/latest/AWS/EventBridge.html#putEvents-property</a:t>
+              <a:t>         </a:t>
             </a:r>
+            <a:r>
+              <a:rPr lang="pt-BR" sz="1000" dirty="0">
+                <a:solidFill>
+                  <a:srgbClr val="00175B"/>
+                </a:solidFill>
+                <a:latin typeface="Open Sans"/>
+                <a:ea typeface="Open Sans"/>
+                <a:cs typeface="Open Sans"/>
+                <a:sym typeface="Open Sans"/>
+                <a:hlinkClick r:id="rId5"/>
+              </a:rPr>
+              <a:t>https://docs.aws.amazon.com/AWSJavaScriptSDK/latest/AWS/EventBridge.html#putEvents-property</a:t>
+            </a:r>
+            <a:endParaRPr lang="pt-BR" sz="1000" dirty="0">
+              <a:solidFill>
+                <a:srgbClr val="00175B"/>
+              </a:solidFill>
+              <a:latin typeface="Open Sans"/>
+              <a:ea typeface="Open Sans"/>
+              <a:cs typeface="Open Sans"/>
+              <a:sym typeface="Open Sans"/>
+            </a:endParaRPr>
           </a:p>
           <a:p>
             <a:pPr marL="457200" lvl="0" indent="-292100" algn="l" rtl="0">
@@ -28101,8 +28145,30 @@
                 <a:cs typeface="Open Sans"/>
                 <a:sym typeface="Open Sans"/>
               </a:rPr>
-              <a:t>         https://docs.aws.amazon.com/eventbridge/</a:t>
+              <a:t>         </a:t>
             </a:r>
+            <a:r>
+              <a:rPr lang="pt-BR" sz="1000" dirty="0">
+                <a:solidFill>
+                  <a:srgbClr val="00175B"/>
+                </a:solidFill>
+                <a:latin typeface="Open Sans"/>
+                <a:ea typeface="Open Sans"/>
+                <a:cs typeface="Open Sans"/>
+                <a:sym typeface="Open Sans"/>
+                <a:hlinkClick r:id="rId6"/>
+              </a:rPr>
+              <a:t>https://docs.aws.amazon.com/eventbridge/</a:t>
+            </a:r>
+            <a:endParaRPr lang="pt-BR" sz="1000" dirty="0">
+              <a:solidFill>
+                <a:srgbClr val="00175B"/>
+              </a:solidFill>
+              <a:latin typeface="Open Sans"/>
+              <a:ea typeface="Open Sans"/>
+              <a:cs typeface="Open Sans"/>
+              <a:sym typeface="Open Sans"/>
+            </a:endParaRPr>
           </a:p>
           <a:p>
             <a:pPr marL="457200" lvl="0" indent="-292100" algn="l" rtl="0">
@@ -28226,7 +28292,7 @@
                 <a:ea typeface="Open Sans"/>
                 <a:cs typeface="Open Sans"/>
                 <a:sym typeface="Open Sans"/>
-                <a:hlinkClick r:id="rId4"/>
+                <a:hlinkClick r:id="rId7"/>
               </a:rPr>
               <a:t>https://github.com/bbc/sqs-consumer</a:t>
             </a:r>
@@ -28302,8 +28368,23 @@
                 <a:cs typeface="Open Sans"/>
                 <a:sym typeface="Open Sans"/>
               </a:rPr>
-              <a:t>         https:</a:t>
+              <a:t>        </a:t>
             </a:r>
+            <a:r>
+              <a:rPr lang="pt-BR" sz="1100" dirty="0">
+                <a:hlinkClick r:id="rId8"/>
+              </a:rPr>
+              <a:t>https://github.com/ericknet/bitch-tech-week-eventbridge</a:t>
+            </a:r>
+            <a:endParaRPr lang="pt-BR" sz="1000" dirty="0">
+              <a:solidFill>
+                <a:srgbClr val="00175B"/>
+              </a:solidFill>
+              <a:latin typeface="Open Sans"/>
+              <a:ea typeface="Open Sans"/>
+              <a:cs typeface="Open Sans"/>
+              <a:sym typeface="Open Sans"/>
+            </a:endParaRPr>
           </a:p>
           <a:p>
             <a:pPr marL="165100" lvl="3">
